--- a/presentations/Space Freight week 4.pptx
+++ b/presentations/Space Freight week 4.pptx
@@ -8,11 +8,11 @@
   <p:sldIdLst>
     <p:sldId id="256" r:id="rId3"/>
     <p:sldId id="259" r:id="rId4"/>
-    <p:sldId id="261" r:id="rId5"/>
-    <p:sldId id="265" r:id="rId6"/>
-    <p:sldId id="267" r:id="rId7"/>
-    <p:sldId id="268" r:id="rId8"/>
-    <p:sldId id="266" r:id="rId9"/>
+    <p:sldId id="266" r:id="rId5"/>
+    <p:sldId id="267" r:id="rId6"/>
+    <p:sldId id="261" r:id="rId7"/>
+    <p:sldId id="265" r:id="rId8"/>
+    <p:sldId id="268" r:id="rId9"/>
     <p:sldId id="264" r:id="rId10"/>
   </p:sldIdLst>
   <p:sldSz cx="9144000" cy="6858000" type="screen4x3"/>
@@ -3907,7 +3907,7 @@
           <p:cNvPr id="3" name="Rechthoek 2">
             <a:extLst>
               <a:ext uri="{FF2B5EF4-FFF2-40B4-BE49-F238E27FC236}">
-                <a16:creationId xmlns:a16="http://schemas.microsoft.com/office/drawing/2014/main" xmlns="" id="{A908C342-6C39-4E18-BCFC-079BDB5133AA}"/>
+                <a16:creationId xmlns="" xmlns:a16="http://schemas.microsoft.com/office/drawing/2014/main" id="{A908C342-6C39-4E18-BCFC-079BDB5133AA}"/>
               </a:ext>
             </a:extLst>
           </p:cNvPr>
@@ -3978,7 +3978,7 @@
           <p:cNvPr id="1026" name="Picture 2" descr="Afbeeldingsresultaat voor chinese flag">
             <a:extLst>
               <a:ext uri="{FF2B5EF4-FFF2-40B4-BE49-F238E27FC236}">
-                <a16:creationId xmlns:a16="http://schemas.microsoft.com/office/drawing/2014/main" xmlns="" id="{BAF7CA41-8DBA-4683-8D1A-C286BE32225E}"/>
+                <a16:creationId xmlns="" xmlns:a16="http://schemas.microsoft.com/office/drawing/2014/main" id="{BAF7CA41-8DBA-4683-8D1A-C286BE32225E}"/>
               </a:ext>
             </a:extLst>
           </p:cNvPr>
@@ -4264,7 +4264,7 @@
           <p:cNvPr id="3" name="Afbeelding 2" descr="Afbeelding met schermafbeelding&#10;&#10;Beschrijving is gegenereerd met zeer hoge betrouwbaarheid">
             <a:extLst>
               <a:ext uri="{FF2B5EF4-FFF2-40B4-BE49-F238E27FC236}">
-                <a16:creationId xmlns:a16="http://schemas.microsoft.com/office/drawing/2014/main" xmlns="" id="{936DB4C8-62CA-4BFE-BC0E-F33653F1A464}"/>
+                <a16:creationId xmlns="" xmlns:a16="http://schemas.microsoft.com/office/drawing/2014/main" id="{936DB4C8-62CA-4BFE-BC0E-F33653F1A464}"/>
               </a:ext>
             </a:extLst>
           </p:cNvPr>
@@ -4327,10 +4327,244 @@
       </p:grpSpPr>
       <p:sp>
         <p:nvSpPr>
+          <p:cNvPr id="2" name="Titel 1"/>
+          <p:cNvSpPr>
+            <a:spLocks noGrp="1"/>
+          </p:cNvSpPr>
+          <p:nvPr>
+            <p:ph type="title"/>
+          </p:nvPr>
+        </p:nvSpPr>
+        <p:spPr/>
+        <p:txBody>
+          <a:bodyPr/>
+          <a:lstStyle/>
+          <a:p>
+            <a:pPr algn="ctr"/>
+            <a:r>
+              <a:rPr lang="nl-NL" dirty="0" smtClean="0"/>
+              <a:t>Progressie</a:t>
+            </a:r>
+            <a:endParaRPr lang="nl-NL" dirty="0"/>
+          </a:p>
+        </p:txBody>
+      </p:sp>
+      <p:sp>
+        <p:nvSpPr>
+          <p:cNvPr id="4" name="Tijdelijke aanduiding voor inhoud 3"/>
+          <p:cNvSpPr>
+            <a:spLocks noGrp="1"/>
+          </p:cNvSpPr>
+          <p:nvPr>
+            <p:ph idx="10"/>
+          </p:nvPr>
+        </p:nvSpPr>
+        <p:spPr>
+          <a:xfrm>
+            <a:off x="1619672" y="1700808"/>
+            <a:ext cx="7272808" cy="4064035"/>
+          </a:xfrm>
+        </p:spPr>
+        <p:txBody>
+          <a:bodyPr/>
+          <a:lstStyle/>
+          <a:p>
+            <a:pPr marL="342900" indent="-342900">
+              <a:buFont typeface="Arial" charset="0"/>
+              <a:buChar char="•"/>
+            </a:pPr>
+            <a:r>
+              <a:rPr lang="nl-NL" sz="2000" dirty="0" smtClean="0"/>
+              <a:t>Dataset veranderd naar classes </a:t>
+            </a:r>
+          </a:p>
+          <a:p>
+            <a:pPr marL="342900" indent="-342900">
+              <a:buFont typeface="Arial" charset="0"/>
+              <a:buChar char="•"/>
+            </a:pPr>
+            <a:endParaRPr lang="nl-NL" sz="2000" dirty="0" smtClean="0"/>
+          </a:p>
+          <a:p>
+            <a:pPr marL="342900" indent="-342900">
+              <a:buFont typeface="Arial" charset="0"/>
+              <a:buChar char="•"/>
+            </a:pPr>
+            <a:r>
+              <a:rPr lang="nl-NL" sz="2000" dirty="0" smtClean="0"/>
+              <a:t>Code/algoritme omgeschreven met classes</a:t>
+            </a:r>
+          </a:p>
+          <a:p>
+            <a:pPr marL="342900" indent="-342900">
+              <a:buFont typeface="Arial" charset="0"/>
+              <a:buChar char="•"/>
+            </a:pPr>
+            <a:endParaRPr lang="nl-NL" sz="2000" dirty="0" smtClean="0"/>
+          </a:p>
+          <a:p>
+            <a:pPr marL="342900" indent="-342900">
+              <a:buFont typeface="Arial" charset="0"/>
+              <a:buChar char="•"/>
+            </a:pPr>
+            <a:r>
+              <a:rPr lang="nl-NL" sz="2000" dirty="0" smtClean="0"/>
+              <a:t>Kostenfunctie aan algoritme toegevoegd en vraag B</a:t>
+            </a:r>
+            <a:br>
+              <a:rPr lang="nl-NL" sz="2000" dirty="0" smtClean="0"/>
+            </a:br>
+            <a:r>
+              <a:rPr lang="nl-NL" sz="2000" dirty="0" smtClean="0"/>
+              <a:t>(voorlopig) beantwoord. </a:t>
+            </a:r>
+          </a:p>
+          <a:p>
+            <a:pPr marL="342900" indent="-342900">
+              <a:buFont typeface="Arial" charset="0"/>
+              <a:buChar char="•"/>
+            </a:pPr>
+            <a:endParaRPr lang="nl-NL" sz="2000" dirty="0" smtClean="0"/>
+          </a:p>
+          <a:p>
+            <a:pPr marL="342900" indent="-342900">
+              <a:buFont typeface="Arial" charset="0"/>
+              <a:buChar char="•"/>
+            </a:pPr>
+            <a:r>
+              <a:rPr lang="nl-NL" sz="2000" dirty="0" smtClean="0"/>
+              <a:t>Algoritme voor gehele random indeling geprobeerd op </a:t>
+            </a:r>
+            <a:br>
+              <a:rPr lang="nl-NL" sz="2000" dirty="0" smtClean="0"/>
+            </a:br>
+            <a:r>
+              <a:rPr lang="nl-NL" sz="2000" dirty="0" smtClean="0"/>
+              <a:t>verschillende schalen. </a:t>
+            </a:r>
+            <a:endParaRPr lang="nl-NL" sz="2000" dirty="0"/>
+          </a:p>
+        </p:txBody>
+      </p:sp>
+    </p:spTree>
+    <p:extLst>
+      <p:ext uri="{BB962C8B-B14F-4D97-AF65-F5344CB8AC3E}">
+        <p14:creationId xmlns:p14="http://schemas.microsoft.com/office/powerpoint/2010/main" val="1278372137"/>
+      </p:ext>
+    </p:extLst>
+  </p:cSld>
+  <p:clrMapOvr>
+    <a:masterClrMapping/>
+  </p:clrMapOvr>
+</p:sld>
+</file>
+
+<file path=ppt/slides/slide4.xml><?xml version="1.0" encoding="utf-8"?>
+<p:sld xmlns:a="http://schemas.openxmlformats.org/drawingml/2006/main" xmlns:r="http://schemas.openxmlformats.org/officeDocument/2006/relationships" xmlns:p="http://schemas.openxmlformats.org/presentationml/2006/main">
+  <p:cSld>
+    <p:spTree>
+      <p:nvGrpSpPr>
+        <p:cNvPr id="1" name=""/>
+        <p:cNvGrpSpPr/>
+        <p:nvPr/>
+      </p:nvGrpSpPr>
+      <p:grpSpPr>
+        <a:xfrm>
+          <a:off x="0" y="0"/>
+          <a:ext cx="0" cy="0"/>
+          <a:chOff x="0" y="0"/>
+          <a:chExt cx="0" cy="0"/>
+        </a:xfrm>
+      </p:grpSpPr>
+      <p:sp>
+        <p:nvSpPr>
+          <p:cNvPr id="2" name="Titel 1"/>
+          <p:cNvSpPr>
+            <a:spLocks noGrp="1"/>
+          </p:cNvSpPr>
+          <p:nvPr>
+            <p:ph type="title"/>
+          </p:nvPr>
+        </p:nvSpPr>
+        <p:spPr/>
+        <p:txBody>
+          <a:bodyPr/>
+          <a:lstStyle/>
+          <a:p>
+            <a:pPr algn="ctr"/>
+            <a:r>
+              <a:rPr lang="nl-NL" dirty="0" smtClean="0"/>
+              <a:t>Code classes </a:t>
+            </a:r>
+            <a:endParaRPr lang="nl-NL" dirty="0"/>
+          </a:p>
+        </p:txBody>
+      </p:sp>
+      <p:pic>
+        <p:nvPicPr>
+          <p:cNvPr id="5" name="Tijdelijke aanduiding voor inhoud 4"/>
+          <p:cNvPicPr>
+            <a:picLocks noGrp="1" noChangeAspect="1"/>
+          </p:cNvPicPr>
+          <p:nvPr>
+            <p:ph idx="10"/>
+          </p:nvPr>
+        </p:nvPicPr>
+        <p:blipFill>
+          <a:blip r:embed="rId2" cstate="print">
+            <a:extLst>
+              <a:ext uri="{28A0092B-C50C-407E-A947-70E740481C1C}">
+                <a14:useLocalDpi xmlns:a14="http://schemas.microsoft.com/office/drawing/2010/main" val="0"/>
+              </a:ext>
+            </a:extLst>
+          </a:blip>
+          <a:stretch>
+            <a:fillRect/>
+          </a:stretch>
+        </p:blipFill>
+        <p:spPr>
+          <a:xfrm>
+            <a:off x="2483768" y="1069514"/>
+            <a:ext cx="5544616" cy="5475679"/>
+          </a:xfrm>
+        </p:spPr>
+      </p:pic>
+    </p:spTree>
+    <p:extLst>
+      <p:ext uri="{BB962C8B-B14F-4D97-AF65-F5344CB8AC3E}">
+        <p14:creationId xmlns:p14="http://schemas.microsoft.com/office/powerpoint/2010/main" val="1385956093"/>
+      </p:ext>
+    </p:extLst>
+  </p:cSld>
+  <p:clrMapOvr>
+    <a:masterClrMapping/>
+  </p:clrMapOvr>
+</p:sld>
+</file>
+
+<file path=ppt/slides/slide5.xml><?xml version="1.0" encoding="utf-8"?>
+<p:sld xmlns:a="http://schemas.openxmlformats.org/drawingml/2006/main" xmlns:r="http://schemas.openxmlformats.org/officeDocument/2006/relationships" xmlns:p="http://schemas.openxmlformats.org/presentationml/2006/main">
+  <p:cSld>
+    <p:spTree>
+      <p:nvGrpSpPr>
+        <p:cNvPr id="1" name=""/>
+        <p:cNvGrpSpPr/>
+        <p:nvPr/>
+      </p:nvGrpSpPr>
+      <p:grpSpPr>
+        <a:xfrm>
+          <a:off x="0" y="0"/>
+          <a:ext cx="0" cy="0"/>
+          <a:chOff x="0" y="0"/>
+          <a:chExt cx="0" cy="0"/>
+        </a:xfrm>
+      </p:grpSpPr>
+      <p:sp>
+        <p:nvSpPr>
           <p:cNvPr id="2" name="Titel 1">
             <a:extLst>
               <a:ext uri="{FF2B5EF4-FFF2-40B4-BE49-F238E27FC236}">
-                <a16:creationId xmlns:a16="http://schemas.microsoft.com/office/drawing/2014/main" xmlns="" id="{992A9ADF-E0BB-4629-B181-613F7D950D95}"/>
+                <a16:creationId xmlns="" xmlns:a16="http://schemas.microsoft.com/office/drawing/2014/main" id="{992A9ADF-E0BB-4629-B181-613F7D950D95}"/>
               </a:ext>
             </a:extLst>
           </p:cNvPr>
@@ -4368,7 +4602,7 @@
           <p:cNvPr id="4" name="Tijdelijke aanduiding voor inhoud 3">
             <a:extLst>
               <a:ext uri="{FF2B5EF4-FFF2-40B4-BE49-F238E27FC236}">
-                <a16:creationId xmlns:a16="http://schemas.microsoft.com/office/drawing/2014/main" xmlns="" id="{A72E75F7-4441-45B4-AD87-D349186CDDBF}"/>
+                <a16:creationId xmlns="" xmlns:a16="http://schemas.microsoft.com/office/drawing/2014/main" id="{A72E75F7-4441-45B4-AD87-D349186CDDBF}"/>
               </a:ext>
             </a:extLst>
           </p:cNvPr>
@@ -4495,7 +4729,7 @@
           <p:cNvPr id="5" name="Afbeelding 4">
             <a:extLst>
               <a:ext uri="{FF2B5EF4-FFF2-40B4-BE49-F238E27FC236}">
-                <a16:creationId xmlns:a16="http://schemas.microsoft.com/office/drawing/2014/main" xmlns="" id="{013BD028-8E10-4A2D-8C20-69C4607A670D}"/>
+                <a16:creationId xmlns="" xmlns:a16="http://schemas.microsoft.com/office/drawing/2014/main" id="{013BD028-8E10-4A2D-8C20-69C4607A670D}"/>
               </a:ext>
             </a:extLst>
           </p:cNvPr>
@@ -4531,7 +4765,7 @@
           <p:cNvPr id="7" name="Afbeelding 6">
             <a:extLst>
               <a:ext uri="{FF2B5EF4-FFF2-40B4-BE49-F238E27FC236}">
-                <a16:creationId xmlns:a16="http://schemas.microsoft.com/office/drawing/2014/main" xmlns="" id="{8EDD42C8-88C9-4F58-811C-1B9D2D0FD9DB}"/>
+                <a16:creationId xmlns="" xmlns:a16="http://schemas.microsoft.com/office/drawing/2014/main" id="{8EDD42C8-88C9-4F58-811C-1B9D2D0FD9DB}"/>
               </a:ext>
             </a:extLst>
           </p:cNvPr>
@@ -4566,7 +4800,7 @@
           <p:cNvPr id="8" name="Afbeelding 7">
             <a:extLst>
               <a:ext uri="{FF2B5EF4-FFF2-40B4-BE49-F238E27FC236}">
-                <a16:creationId xmlns:a16="http://schemas.microsoft.com/office/drawing/2014/main" xmlns="" id="{DB19D0DA-5229-4A1A-BF4D-8EDA06918845}"/>
+                <a16:creationId xmlns="" xmlns:a16="http://schemas.microsoft.com/office/drawing/2014/main" id="{DB19D0DA-5229-4A1A-BF4D-8EDA06918845}"/>
               </a:ext>
             </a:extLst>
           </p:cNvPr>
@@ -4609,7 +4843,7 @@
 </p:sld>
 </file>
 
-<file path=ppt/slides/slide4.xml><?xml version="1.0" encoding="utf-8"?>
+<file path=ppt/slides/slide6.xml><?xml version="1.0" encoding="utf-8"?>
 <p:sld xmlns:a="http://schemas.openxmlformats.org/drawingml/2006/main" xmlns:r="http://schemas.openxmlformats.org/officeDocument/2006/relationships" xmlns:p="http://schemas.openxmlformats.org/presentationml/2006/main">
   <p:cSld>
     <p:spTree>
@@ -4778,90 +5012,7 @@
 </p:sld>
 </file>
 
-<file path=ppt/slides/slide5.xml><?xml version="1.0" encoding="utf-8"?>
-<p:sld xmlns:a="http://schemas.openxmlformats.org/drawingml/2006/main" xmlns:r="http://schemas.openxmlformats.org/officeDocument/2006/relationships" xmlns:p="http://schemas.openxmlformats.org/presentationml/2006/main">
-  <p:cSld>
-    <p:spTree>
-      <p:nvGrpSpPr>
-        <p:cNvPr id="1" name=""/>
-        <p:cNvGrpSpPr/>
-        <p:nvPr/>
-      </p:nvGrpSpPr>
-      <p:grpSpPr>
-        <a:xfrm>
-          <a:off x="0" y="0"/>
-          <a:ext cx="0" cy="0"/>
-          <a:chOff x="0" y="0"/>
-          <a:chExt cx="0" cy="0"/>
-        </a:xfrm>
-      </p:grpSpPr>
-      <p:sp>
-        <p:nvSpPr>
-          <p:cNvPr id="2" name="Titel 1"/>
-          <p:cNvSpPr>
-            <a:spLocks noGrp="1"/>
-          </p:cNvSpPr>
-          <p:nvPr>
-            <p:ph type="title"/>
-          </p:nvPr>
-        </p:nvSpPr>
-        <p:spPr/>
-        <p:txBody>
-          <a:bodyPr/>
-          <a:lstStyle/>
-          <a:p>
-            <a:pPr algn="ctr"/>
-            <a:r>
-              <a:rPr lang="nl-NL" dirty="0" smtClean="0"/>
-              <a:t>Code classes </a:t>
-            </a:r>
-            <a:endParaRPr lang="nl-NL" dirty="0"/>
-          </a:p>
-        </p:txBody>
-      </p:sp>
-      <p:pic>
-        <p:nvPicPr>
-          <p:cNvPr id="5" name="Tijdelijke aanduiding voor inhoud 4"/>
-          <p:cNvPicPr>
-            <a:picLocks noGrp="1" noChangeAspect="1"/>
-          </p:cNvPicPr>
-          <p:nvPr>
-            <p:ph idx="10"/>
-          </p:nvPr>
-        </p:nvPicPr>
-        <p:blipFill>
-          <a:blip r:embed="rId2" cstate="print">
-            <a:extLst>
-              <a:ext uri="{28A0092B-C50C-407E-A947-70E740481C1C}">
-                <a14:useLocalDpi xmlns:a14="http://schemas.microsoft.com/office/drawing/2010/main" val="0"/>
-              </a:ext>
-            </a:extLst>
-          </a:blip>
-          <a:stretch>
-            <a:fillRect/>
-          </a:stretch>
-        </p:blipFill>
-        <p:spPr>
-          <a:xfrm>
-            <a:off x="2483768" y="1069514"/>
-            <a:ext cx="5544616" cy="5475679"/>
-          </a:xfrm>
-        </p:spPr>
-      </p:pic>
-    </p:spTree>
-    <p:extLst>
-      <p:ext uri="{BB962C8B-B14F-4D97-AF65-F5344CB8AC3E}">
-        <p14:creationId xmlns:p14="http://schemas.microsoft.com/office/powerpoint/2010/main" val="1385956093"/>
-      </p:ext>
-    </p:extLst>
-  </p:cSld>
-  <p:clrMapOvr>
-    <a:masterClrMapping/>
-  </p:clrMapOvr>
-</p:sld>
-</file>
-
-<file path=ppt/slides/slide6.xml><?xml version="1.0" encoding="utf-8"?>
+<file path=ppt/slides/slide7.xml><?xml version="1.0" encoding="utf-8"?>
 <p:sld xmlns:a="http://schemas.openxmlformats.org/drawingml/2006/main" xmlns:r="http://schemas.openxmlformats.org/officeDocument/2006/relationships" xmlns:p="http://schemas.openxmlformats.org/presentationml/2006/main">
   <p:cSld>
     <p:spTree>
@@ -5018,157 +5169,6 @@
     <p:extLst>
       <p:ext uri="{BB962C8B-B14F-4D97-AF65-F5344CB8AC3E}">
         <p14:creationId xmlns:p14="http://schemas.microsoft.com/office/powerpoint/2010/main" val="201703611"/>
-      </p:ext>
-    </p:extLst>
-  </p:cSld>
-  <p:clrMapOvr>
-    <a:masterClrMapping/>
-  </p:clrMapOvr>
-</p:sld>
-</file>
-
-<file path=ppt/slides/slide7.xml><?xml version="1.0" encoding="utf-8"?>
-<p:sld xmlns:a="http://schemas.openxmlformats.org/drawingml/2006/main" xmlns:r="http://schemas.openxmlformats.org/officeDocument/2006/relationships" xmlns:p="http://schemas.openxmlformats.org/presentationml/2006/main">
-  <p:cSld>
-    <p:spTree>
-      <p:nvGrpSpPr>
-        <p:cNvPr id="1" name=""/>
-        <p:cNvGrpSpPr/>
-        <p:nvPr/>
-      </p:nvGrpSpPr>
-      <p:grpSpPr>
-        <a:xfrm>
-          <a:off x="0" y="0"/>
-          <a:ext cx="0" cy="0"/>
-          <a:chOff x="0" y="0"/>
-          <a:chExt cx="0" cy="0"/>
-        </a:xfrm>
-      </p:grpSpPr>
-      <p:sp>
-        <p:nvSpPr>
-          <p:cNvPr id="2" name="Titel 1"/>
-          <p:cNvSpPr>
-            <a:spLocks noGrp="1"/>
-          </p:cNvSpPr>
-          <p:nvPr>
-            <p:ph type="title"/>
-          </p:nvPr>
-        </p:nvSpPr>
-        <p:spPr/>
-        <p:txBody>
-          <a:bodyPr/>
-          <a:lstStyle/>
-          <a:p>
-            <a:pPr algn="ctr"/>
-            <a:r>
-              <a:rPr lang="nl-NL" dirty="0" smtClean="0"/>
-              <a:t>Progressie</a:t>
-            </a:r>
-            <a:endParaRPr lang="nl-NL" dirty="0"/>
-          </a:p>
-        </p:txBody>
-      </p:sp>
-      <p:sp>
-        <p:nvSpPr>
-          <p:cNvPr id="4" name="Tijdelijke aanduiding voor inhoud 3"/>
-          <p:cNvSpPr>
-            <a:spLocks noGrp="1"/>
-          </p:cNvSpPr>
-          <p:nvPr>
-            <p:ph idx="10"/>
-          </p:nvPr>
-        </p:nvSpPr>
-        <p:spPr>
-          <a:xfrm>
-            <a:off x="1619672" y="1700808"/>
-            <a:ext cx="7272808" cy="4064035"/>
-          </a:xfrm>
-        </p:spPr>
-        <p:txBody>
-          <a:bodyPr/>
-          <a:lstStyle/>
-          <a:p>
-            <a:pPr marL="342900" indent="-342900">
-              <a:buFont typeface="Arial" charset="0"/>
-              <a:buChar char="•"/>
-            </a:pPr>
-            <a:r>
-              <a:rPr lang="nl-NL" sz="2000" dirty="0" smtClean="0"/>
-              <a:t>Dataset veranderd naar classes </a:t>
-            </a:r>
-          </a:p>
-          <a:p>
-            <a:pPr marL="342900" indent="-342900">
-              <a:buFont typeface="Arial" charset="0"/>
-              <a:buChar char="•"/>
-            </a:pPr>
-            <a:endParaRPr lang="nl-NL" sz="2000" dirty="0" smtClean="0"/>
-          </a:p>
-          <a:p>
-            <a:pPr marL="342900" indent="-342900">
-              <a:buFont typeface="Arial" charset="0"/>
-              <a:buChar char="•"/>
-            </a:pPr>
-            <a:r>
-              <a:rPr lang="nl-NL" sz="2000" dirty="0" smtClean="0"/>
-              <a:t>Code/algoritme omgeschreven met classes</a:t>
-            </a:r>
-          </a:p>
-          <a:p>
-            <a:pPr marL="342900" indent="-342900">
-              <a:buFont typeface="Arial" charset="0"/>
-              <a:buChar char="•"/>
-            </a:pPr>
-            <a:endParaRPr lang="nl-NL" sz="2000" dirty="0" smtClean="0"/>
-          </a:p>
-          <a:p>
-            <a:pPr marL="342900" indent="-342900">
-              <a:buFont typeface="Arial" charset="0"/>
-              <a:buChar char="•"/>
-            </a:pPr>
-            <a:r>
-              <a:rPr lang="nl-NL" sz="2000" dirty="0" smtClean="0"/>
-              <a:t>Kostenfunctie aan algoritme toegevoegd en vraag B</a:t>
-            </a:r>
-            <a:br>
-              <a:rPr lang="nl-NL" sz="2000" dirty="0" smtClean="0"/>
-            </a:br>
-            <a:r>
-              <a:rPr lang="nl-NL" sz="2000" dirty="0" smtClean="0"/>
-              <a:t>(voorlopig) beantwoord. </a:t>
-            </a:r>
-          </a:p>
-          <a:p>
-            <a:pPr marL="342900" indent="-342900">
-              <a:buFont typeface="Arial" charset="0"/>
-              <a:buChar char="•"/>
-            </a:pPr>
-            <a:endParaRPr lang="nl-NL" sz="2000" dirty="0" smtClean="0"/>
-          </a:p>
-          <a:p>
-            <a:pPr marL="342900" indent="-342900">
-              <a:buFont typeface="Arial" charset="0"/>
-              <a:buChar char="•"/>
-            </a:pPr>
-            <a:r>
-              <a:rPr lang="nl-NL" sz="2000" dirty="0" smtClean="0"/>
-              <a:t>Algoritme voor gehele random indeling geprobeerd op </a:t>
-            </a:r>
-            <a:br>
-              <a:rPr lang="nl-NL" sz="2000" dirty="0" smtClean="0"/>
-            </a:br>
-            <a:r>
-              <a:rPr lang="nl-NL" sz="2000" dirty="0" smtClean="0"/>
-              <a:t>verschillende schalen. </a:t>
-            </a:r>
-            <a:endParaRPr lang="nl-NL" sz="2000" dirty="0"/>
-          </a:p>
-        </p:txBody>
-      </p:sp>
-    </p:spTree>
-    <p:extLst>
-      <p:ext uri="{BB962C8B-B14F-4D97-AF65-F5344CB8AC3E}">
-        <p14:creationId xmlns:p14="http://schemas.microsoft.com/office/powerpoint/2010/main" val="1278372137"/>
       </p:ext>
     </p:extLst>
   </p:cSld>
